--- a/要读paper/NSGA2/PlatEMO-NSGAⅡ.pptx
+++ b/要读paper/NSGA2/PlatEMO-NSGAⅡ.pptx
@@ -104,6 +104,11 @@
       </a:defRPr>
     </a:lvl9pPr>
   </p:defaultTextStyle>
+  <p:extLst>
+    <p:ext uri="{EFAFB233-063F-42B5-8137-9DF3F51BA10A}">
+      <p15:sldGuideLst xmlns:p15="http://schemas.microsoft.com/office/powerpoint/2012/main"/>
+    </p:ext>
+  </p:extLst>
 </p:presentation>
 </file>
 
@@ -238,7 +243,7 @@
           <a:p>
             <a:fld id="{791335DC-45C4-473E-AB34-2A1503DE055C}" type="datetimeFigureOut">
               <a:rPr lang="zh-CN" altLang="en-US" smtClean="0"/>
-              <a:t>2020/8/1</a:t>
+              <a:t>2020/8/6</a:t>
             </a:fld>
             <a:endParaRPr lang="zh-CN" altLang="en-US"/>
           </a:p>
@@ -408,7 +413,7 @@
           <a:p>
             <a:fld id="{791335DC-45C4-473E-AB34-2A1503DE055C}" type="datetimeFigureOut">
               <a:rPr lang="zh-CN" altLang="en-US" smtClean="0"/>
-              <a:t>2020/8/1</a:t>
+              <a:t>2020/8/6</a:t>
             </a:fld>
             <a:endParaRPr lang="zh-CN" altLang="en-US"/>
           </a:p>
@@ -588,7 +593,7 @@
           <a:p>
             <a:fld id="{791335DC-45C4-473E-AB34-2A1503DE055C}" type="datetimeFigureOut">
               <a:rPr lang="zh-CN" altLang="en-US" smtClean="0"/>
-              <a:t>2020/8/1</a:t>
+              <a:t>2020/8/6</a:t>
             </a:fld>
             <a:endParaRPr lang="zh-CN" altLang="en-US"/>
           </a:p>
@@ -758,7 +763,7 @@
           <a:p>
             <a:fld id="{791335DC-45C4-473E-AB34-2A1503DE055C}" type="datetimeFigureOut">
               <a:rPr lang="zh-CN" altLang="en-US" smtClean="0"/>
-              <a:t>2020/8/1</a:t>
+              <a:t>2020/8/6</a:t>
             </a:fld>
             <a:endParaRPr lang="zh-CN" altLang="en-US"/>
           </a:p>
@@ -1004,7 +1009,7 @@
           <a:p>
             <a:fld id="{791335DC-45C4-473E-AB34-2A1503DE055C}" type="datetimeFigureOut">
               <a:rPr lang="zh-CN" altLang="en-US" smtClean="0"/>
-              <a:t>2020/8/1</a:t>
+              <a:t>2020/8/6</a:t>
             </a:fld>
             <a:endParaRPr lang="zh-CN" altLang="en-US"/>
           </a:p>
@@ -1236,7 +1241,7 @@
           <a:p>
             <a:fld id="{791335DC-45C4-473E-AB34-2A1503DE055C}" type="datetimeFigureOut">
               <a:rPr lang="zh-CN" altLang="en-US" smtClean="0"/>
-              <a:t>2020/8/1</a:t>
+              <a:t>2020/8/6</a:t>
             </a:fld>
             <a:endParaRPr lang="zh-CN" altLang="en-US"/>
           </a:p>
@@ -1603,7 +1608,7 @@
           <a:p>
             <a:fld id="{791335DC-45C4-473E-AB34-2A1503DE055C}" type="datetimeFigureOut">
               <a:rPr lang="zh-CN" altLang="en-US" smtClean="0"/>
-              <a:t>2020/8/1</a:t>
+              <a:t>2020/8/6</a:t>
             </a:fld>
             <a:endParaRPr lang="zh-CN" altLang="en-US"/>
           </a:p>
@@ -1721,7 +1726,7 @@
           <a:p>
             <a:fld id="{791335DC-45C4-473E-AB34-2A1503DE055C}" type="datetimeFigureOut">
               <a:rPr lang="zh-CN" altLang="en-US" smtClean="0"/>
-              <a:t>2020/8/1</a:t>
+              <a:t>2020/8/6</a:t>
             </a:fld>
             <a:endParaRPr lang="zh-CN" altLang="en-US"/>
           </a:p>
@@ -1816,7 +1821,7 @@
           <a:p>
             <a:fld id="{791335DC-45C4-473E-AB34-2A1503DE055C}" type="datetimeFigureOut">
               <a:rPr lang="zh-CN" altLang="en-US" smtClean="0"/>
-              <a:t>2020/8/1</a:t>
+              <a:t>2020/8/6</a:t>
             </a:fld>
             <a:endParaRPr lang="zh-CN" altLang="en-US"/>
           </a:p>
@@ -2093,7 +2098,7 @@
           <a:p>
             <a:fld id="{791335DC-45C4-473E-AB34-2A1503DE055C}" type="datetimeFigureOut">
               <a:rPr lang="zh-CN" altLang="en-US" smtClean="0"/>
-              <a:t>2020/8/1</a:t>
+              <a:t>2020/8/6</a:t>
             </a:fld>
             <a:endParaRPr lang="zh-CN" altLang="en-US"/>
           </a:p>
@@ -2350,7 +2355,7 @@
           <a:p>
             <a:fld id="{791335DC-45C4-473E-AB34-2A1503DE055C}" type="datetimeFigureOut">
               <a:rPr lang="zh-CN" altLang="en-US" smtClean="0"/>
-              <a:t>2020/8/1</a:t>
+              <a:t>2020/8/6</a:t>
             </a:fld>
             <a:endParaRPr lang="zh-CN" altLang="en-US"/>
           </a:p>
@@ -2563,7 +2568,7 @@
           <a:p>
             <a:fld id="{791335DC-45C4-473E-AB34-2A1503DE055C}" type="datetimeFigureOut">
               <a:rPr lang="zh-CN" altLang="en-US" smtClean="0"/>
-              <a:t>2020/8/1</a:t>
+              <a:t>2020/8/6</a:t>
             </a:fld>
             <a:endParaRPr lang="zh-CN" altLang="en-US"/>
           </a:p>
@@ -3309,7 +3314,7 @@
         <p:spPr>
           <a:xfrm>
             <a:off x="6473220" y="2796305"/>
-            <a:ext cx="5299587" cy="893643"/>
+            <a:ext cx="5299587" cy="1724639"/>
           </a:xfrm>
           <a:prstGeom prst="rect">
             <a:avLst/>
@@ -3356,7 +3361,85 @@
               <a:rPr lang="en-US" altLang="zh-CN" sz="1200" dirty="0">
                 <a:latin typeface="Consolas" panose="020B0609020204030204" pitchFamily="49" charset="0"/>
               </a:rPr>
-              <a:t>Next = FrontNo &lt; MaxFNo;</a:t>
+              <a:t>Next = FrontNo &lt; </a:t>
+            </a:r>
+            <a:r>
+              <a:rPr lang="en-US" altLang="zh-CN" sz="1200" dirty="0" err="1">
+                <a:latin typeface="Consolas" panose="020B0609020204030204" pitchFamily="49" charset="0"/>
+              </a:rPr>
+              <a:t>MaxFNo</a:t>
+            </a:r>
+            <a:r>
+              <a:rPr lang="en-US" altLang="zh-CN" sz="1200" dirty="0">
+                <a:latin typeface="Consolas" panose="020B0609020204030204" pitchFamily="49" charset="0"/>
+              </a:rPr>
+              <a:t>;</a:t>
+            </a:r>
+          </a:p>
+          <a:p>
+            <a:pPr>
+              <a:lnSpc>
+                <a:spcPct val="150000"/>
+              </a:lnSpc>
+            </a:pPr>
+            <a:endParaRPr lang="en-US" altLang="zh-CN" sz="1200" dirty="0">
+              <a:latin typeface="Consolas" panose="020B0609020204030204" pitchFamily="49" charset="0"/>
+            </a:endParaRPr>
+          </a:p>
+          <a:p>
+            <a:pPr>
+              <a:lnSpc>
+                <a:spcPct val="150000"/>
+              </a:lnSpc>
+            </a:pPr>
+            <a:r>
+              <a:rPr lang="en-US" altLang="zh-CN" sz="1200" dirty="0">
+                <a:latin typeface="Consolas" panose="020B0609020204030204" pitchFamily="49" charset="0"/>
+              </a:rPr>
+              <a:t>%% Calculate the crowding distance of each solution</a:t>
+            </a:r>
+          </a:p>
+          <a:p>
+            <a:pPr>
+              <a:lnSpc>
+                <a:spcPct val="150000"/>
+              </a:lnSpc>
+            </a:pPr>
+            <a:r>
+              <a:rPr lang="en-US" altLang="zh-CN" sz="1200" dirty="0" err="1">
+                <a:latin typeface="Consolas" panose="020B0609020204030204" pitchFamily="49" charset="0"/>
+              </a:rPr>
+              <a:t>CrowdDis</a:t>
+            </a:r>
+            <a:r>
+              <a:rPr lang="en-US" altLang="zh-CN" sz="1200" dirty="0">
+                <a:latin typeface="Consolas" panose="020B0609020204030204" pitchFamily="49" charset="0"/>
+              </a:rPr>
+              <a:t> = </a:t>
+            </a:r>
+            <a:r>
+              <a:rPr lang="en-US" altLang="zh-CN" sz="1200" dirty="0" err="1">
+                <a:latin typeface="Consolas" panose="020B0609020204030204" pitchFamily="49" charset="0"/>
+              </a:rPr>
+              <a:t>CrowdingDistance</a:t>
+            </a:r>
+            <a:r>
+              <a:rPr lang="en-US" altLang="zh-CN" sz="1200" dirty="0">
+                <a:latin typeface="Consolas" panose="020B0609020204030204" pitchFamily="49" charset="0"/>
+              </a:rPr>
+              <a:t>(</a:t>
+            </a:r>
+            <a:r>
+              <a:rPr lang="en-US" altLang="zh-CN" sz="1200" dirty="0" err="1">
+                <a:latin typeface="Consolas" panose="020B0609020204030204" pitchFamily="49" charset="0"/>
+              </a:rPr>
+              <a:t>Population.objs,FrontNo</a:t>
+            </a:r>
+            <a:r>
+              <a:rPr lang="en-US" altLang="zh-CN" sz="1200" dirty="0">
+                <a:latin typeface="Consolas" panose="020B0609020204030204" pitchFamily="49" charset="0"/>
+              </a:rPr>
+              <a:t>);</a:t>
             </a:r>
           </a:p>
         </p:txBody>
@@ -3801,6 +3884,448 @@
                 <a:latin typeface="Consolas" panose="020B0609020204030204" pitchFamily="49" charset="0"/>
               </a:rPr>
               <a:t>function [FrontNo,MaxFNo] = NDSort(varargin)</a:t>
+            </a:r>
+            <a:endParaRPr lang="en-US" altLang="zh-CN" sz="1200" b="0" dirty="0">
+              <a:effectLst/>
+              <a:latin typeface="Consolas" panose="020B0609020204030204" pitchFamily="49" charset="0"/>
+            </a:endParaRPr>
+          </a:p>
+        </p:txBody>
+      </p:sp>
+      <p:sp>
+        <p:nvSpPr>
+          <p:cNvPr id="19" name="矩形 18">
+            <a:extLst>
+              <a:ext uri="{FF2B5EF4-FFF2-40B4-BE49-F238E27FC236}">
+                <a16:creationId xmlns:a16="http://schemas.microsoft.com/office/drawing/2014/main" id="{2B757FF2-6C1E-4E52-8D17-C7B7B4E607F3}"/>
+              </a:ext>
+            </a:extLst>
+          </p:cNvPr>
+          <p:cNvSpPr/>
+          <p:nvPr/>
+        </p:nvSpPr>
+        <p:spPr>
+          <a:xfrm>
+            <a:off x="12335375" y="4701868"/>
+            <a:ext cx="4447517" cy="893643"/>
+          </a:xfrm>
+          <a:prstGeom prst="rect">
+            <a:avLst/>
+          </a:prstGeom>
+        </p:spPr>
+        <p:txBody>
+          <a:bodyPr wrap="square">
+            <a:spAutoFit/>
+          </a:bodyPr>
+          <a:lstStyle/>
+          <a:p>
+            <a:pPr>
+              <a:lnSpc>
+                <a:spcPct val="150000"/>
+              </a:lnSpc>
+            </a:pPr>
+            <a:r>
+              <a:rPr lang="en-US" altLang="zh-CN" sz="1200" dirty="0" err="1">
+                <a:latin typeface="Consolas" panose="020B0609020204030204" pitchFamily="49" charset="0"/>
+              </a:rPr>
+              <a:t>varargin</a:t>
+            </a:r>
+            <a:r>
+              <a:rPr lang="en-US" altLang="zh-CN" sz="1200" dirty="0">
+                <a:latin typeface="Consolas" panose="020B0609020204030204" pitchFamily="49" charset="0"/>
+              </a:rPr>
+              <a:t>{1}</a:t>
+            </a:r>
+            <a:r>
+              <a:rPr lang="zh-CN" altLang="en-US" sz="1200" dirty="0">
+                <a:latin typeface="Consolas" panose="020B0609020204030204" pitchFamily="49" charset="0"/>
+              </a:rPr>
+              <a:t>：</a:t>
+            </a:r>
+            <a:r>
+              <a:rPr lang="en-US" altLang="zh-CN" sz="1200" dirty="0" err="1">
+                <a:latin typeface="Consolas" panose="020B0609020204030204" pitchFamily="49" charset="0"/>
+              </a:rPr>
+              <a:t>PopObj</a:t>
+            </a:r>
+            <a:r>
+              <a:rPr lang="en-US" altLang="zh-CN" sz="1200" dirty="0">
+                <a:latin typeface="Consolas" panose="020B0609020204030204" pitchFamily="49" charset="0"/>
+              </a:rPr>
+              <a:t> =&gt;</a:t>
+            </a:r>
+            <a:r>
+              <a:rPr lang="zh-CN" altLang="en-US" sz="1200" dirty="0">
+                <a:latin typeface="Consolas" panose="020B0609020204030204" pitchFamily="49" charset="0"/>
+              </a:rPr>
+              <a:t>多目标的函数值，如果有两个目标，</a:t>
+            </a:r>
+            <a:r>
+              <a:rPr lang="en-US" altLang="zh-CN" sz="1200" dirty="0">
+                <a:latin typeface="Consolas" panose="020B0609020204030204" pitchFamily="49" charset="0"/>
+              </a:rPr>
+              <a:t>100</a:t>
+            </a:r>
+            <a:r>
+              <a:rPr lang="zh-CN" altLang="en-US" sz="1200" dirty="0">
+                <a:latin typeface="Consolas" panose="020B0609020204030204" pitchFamily="49" charset="0"/>
+              </a:rPr>
+              <a:t>个个体，那么就是</a:t>
+            </a:r>
+            <a:r>
+              <a:rPr lang="en-US" altLang="zh-CN" sz="1200" dirty="0">
+                <a:latin typeface="Consolas" panose="020B0609020204030204" pitchFamily="49" charset="0"/>
+              </a:rPr>
+              <a:t>100*2</a:t>
+            </a:r>
+            <a:r>
+              <a:rPr lang="zh-CN" altLang="en-US" sz="1200" dirty="0">
+                <a:latin typeface="Consolas" panose="020B0609020204030204" pitchFamily="49" charset="0"/>
+              </a:rPr>
+              <a:t>的矩阵；</a:t>
+            </a:r>
+            <a:endParaRPr lang="en-US" altLang="zh-CN" sz="1200" dirty="0">
+              <a:latin typeface="Consolas" panose="020B0609020204030204" pitchFamily="49" charset="0"/>
+            </a:endParaRPr>
+          </a:p>
+          <a:p>
+            <a:pPr>
+              <a:lnSpc>
+                <a:spcPct val="150000"/>
+              </a:lnSpc>
+            </a:pPr>
+            <a:r>
+              <a:rPr lang="en-US" altLang="zh-CN" sz="1200" dirty="0" err="1">
+                <a:latin typeface="Consolas" panose="020B0609020204030204" pitchFamily="49" charset="0"/>
+              </a:rPr>
+              <a:t>varargin</a:t>
+            </a:r>
+            <a:r>
+              <a:rPr lang="en-US" altLang="zh-CN" sz="1200" dirty="0">
+                <a:latin typeface="Consolas" panose="020B0609020204030204" pitchFamily="49" charset="0"/>
+              </a:rPr>
+              <a:t>{2}</a:t>
+            </a:r>
+            <a:r>
+              <a:rPr lang="zh-CN" altLang="en-US" sz="1200" dirty="0">
+                <a:latin typeface="Consolas" panose="020B0609020204030204" pitchFamily="49" charset="0"/>
+              </a:rPr>
+              <a:t>：</a:t>
+            </a:r>
+            <a:r>
+              <a:rPr lang="en-US" altLang="zh-CN" sz="1200" dirty="0" err="1">
+                <a:latin typeface="Consolas" panose="020B0609020204030204" pitchFamily="49" charset="0"/>
+              </a:rPr>
+              <a:t>nSort</a:t>
+            </a:r>
+            <a:r>
+              <a:rPr lang="zh-CN" altLang="en-US" sz="1200" dirty="0">
+                <a:latin typeface="Consolas" panose="020B0609020204030204" pitchFamily="49" charset="0"/>
+              </a:rPr>
+              <a:t> </a:t>
+            </a:r>
+            <a:r>
+              <a:rPr lang="en-US" altLang="zh-CN" sz="1200" dirty="0">
+                <a:latin typeface="Consolas" panose="020B0609020204030204" pitchFamily="49" charset="0"/>
+              </a:rPr>
+              <a:t>=&gt; </a:t>
+            </a:r>
+            <a:r>
+              <a:rPr lang="zh-CN" altLang="en-US" sz="1200" dirty="0">
+                <a:latin typeface="Consolas" panose="020B0609020204030204" pitchFamily="49" charset="0"/>
+              </a:rPr>
+              <a:t>前沿面的编号；</a:t>
+            </a:r>
+            <a:endParaRPr lang="en-US" altLang="zh-CN" sz="1200" b="0" dirty="0">
+              <a:effectLst/>
+              <a:latin typeface="Consolas" panose="020B0609020204030204" pitchFamily="49" charset="0"/>
+            </a:endParaRPr>
+          </a:p>
+        </p:txBody>
+      </p:sp>
+      <p:sp>
+        <p:nvSpPr>
+          <p:cNvPr id="2" name="矩形: 圆角 1">
+            <a:extLst>
+              <a:ext uri="{FF2B5EF4-FFF2-40B4-BE49-F238E27FC236}">
+                <a16:creationId xmlns:a16="http://schemas.microsoft.com/office/drawing/2014/main" id="{E5CAEF2A-33E1-4E13-9893-B2A11788EC98}"/>
+              </a:ext>
+            </a:extLst>
+          </p:cNvPr>
+          <p:cNvSpPr/>
+          <p:nvPr/>
+        </p:nvSpPr>
+        <p:spPr>
+          <a:xfrm>
+            <a:off x="12335375" y="4494604"/>
+            <a:ext cx="640080" cy="207264"/>
+          </a:xfrm>
+          <a:prstGeom prst="roundRect">
+            <a:avLst>
+              <a:gd name="adj" fmla="val 40197"/>
+            </a:avLst>
+          </a:prstGeom>
+          <a:ln>
+            <a:noFill/>
+          </a:ln>
+        </p:spPr>
+        <p:style>
+          <a:lnRef idx="2">
+            <a:schemeClr val="accent1">
+              <a:shade val="50000"/>
+            </a:schemeClr>
+          </a:lnRef>
+          <a:fillRef idx="1">
+            <a:schemeClr val="accent1"/>
+          </a:fillRef>
+          <a:effectRef idx="0">
+            <a:schemeClr val="accent1"/>
+          </a:effectRef>
+          <a:fontRef idx="minor">
+            <a:schemeClr val="lt1"/>
+          </a:fontRef>
+        </p:style>
+        <p:txBody>
+          <a:bodyPr rtlCol="0" anchor="ctr"/>
+          <a:lstStyle/>
+          <a:p>
+            <a:pPr algn="ctr"/>
+            <a:r>
+              <a:rPr lang="zh-CN" altLang="en-US" sz="1200" dirty="0">
+                <a:latin typeface="宋体" panose="02010600030101010101" pitchFamily="2" charset="-122"/>
+                <a:ea typeface="宋体" panose="02010600030101010101" pitchFamily="2" charset="-122"/>
+              </a:rPr>
+              <a:t>输入</a:t>
+            </a:r>
+          </a:p>
+        </p:txBody>
+      </p:sp>
+      <p:sp>
+        <p:nvSpPr>
+          <p:cNvPr id="20" name="箭头: 右 19">
+            <a:extLst>
+              <a:ext uri="{FF2B5EF4-FFF2-40B4-BE49-F238E27FC236}">
+                <a16:creationId xmlns:a16="http://schemas.microsoft.com/office/drawing/2014/main" id="{DB6797CE-2D6A-426F-95EA-EFAE2C2F91A2}"/>
+              </a:ext>
+            </a:extLst>
+          </p:cNvPr>
+          <p:cNvSpPr/>
+          <p:nvPr/>
+        </p:nvSpPr>
+        <p:spPr>
+          <a:xfrm rot="5400000">
+            <a:off x="8448474" y="4889100"/>
+            <a:ext cx="1114248" cy="298575"/>
+          </a:xfrm>
+          <a:prstGeom prst="rightArrow">
+            <a:avLst/>
+          </a:prstGeom>
+          <a:noFill/>
+          <a:ln>
+            <a:solidFill>
+              <a:schemeClr val="tx1"/>
+            </a:solidFill>
+            <a:prstDash val="dash"/>
+          </a:ln>
+        </p:spPr>
+        <p:style>
+          <a:lnRef idx="2">
+            <a:schemeClr val="accent1">
+              <a:shade val="50000"/>
+            </a:schemeClr>
+          </a:lnRef>
+          <a:fillRef idx="1">
+            <a:schemeClr val="accent1"/>
+          </a:fillRef>
+          <a:effectRef idx="0">
+            <a:schemeClr val="accent1"/>
+          </a:effectRef>
+          <a:fontRef idx="minor">
+            <a:schemeClr val="lt1"/>
+          </a:fontRef>
+        </p:style>
+        <p:txBody>
+          <a:bodyPr rtlCol="0" anchor="ctr"/>
+          <a:lstStyle/>
+          <a:p>
+            <a:pPr algn="ctr"/>
+            <a:endParaRPr lang="zh-CN" altLang="en-US"/>
+          </a:p>
+        </p:txBody>
+      </p:sp>
+      <p:sp>
+        <p:nvSpPr>
+          <p:cNvPr id="21" name="矩形 20">
+            <a:extLst>
+              <a:ext uri="{FF2B5EF4-FFF2-40B4-BE49-F238E27FC236}">
+                <a16:creationId xmlns:a16="http://schemas.microsoft.com/office/drawing/2014/main" id="{6F75124C-6510-4724-8035-4A5194DBCDC2}"/>
+              </a:ext>
+            </a:extLst>
+          </p:cNvPr>
+          <p:cNvSpPr/>
+          <p:nvPr/>
+        </p:nvSpPr>
+        <p:spPr>
+          <a:xfrm>
+            <a:off x="6781839" y="5595511"/>
+            <a:ext cx="4447517" cy="617861"/>
+          </a:xfrm>
+          <a:prstGeom prst="rect">
+            <a:avLst/>
+          </a:prstGeom>
+        </p:spPr>
+        <p:txBody>
+          <a:bodyPr wrap="square">
+            <a:spAutoFit/>
+          </a:bodyPr>
+          <a:lstStyle/>
+          <a:p>
+            <a:pPr algn="ctr">
+              <a:lnSpc>
+                <a:spcPct val="150000"/>
+              </a:lnSpc>
+            </a:pPr>
+            <a:r>
+              <a:rPr lang="zh-CN" altLang="en-US" sz="1200" dirty="0">
+                <a:latin typeface="Consolas" panose="020B0609020204030204" pitchFamily="49" charset="0"/>
+              </a:rPr>
+              <a:t>用于计算用拥挤度，筛选出下一代的个体</a:t>
+            </a:r>
+            <a:endParaRPr lang="en-US" altLang="zh-CN" sz="1200" dirty="0">
+              <a:latin typeface="Consolas" panose="020B0609020204030204" pitchFamily="49" charset="0"/>
+            </a:endParaRPr>
+          </a:p>
+          <a:p>
+            <a:pPr algn="ctr">
+              <a:lnSpc>
+                <a:spcPct val="150000"/>
+              </a:lnSpc>
+            </a:pPr>
+            <a:r>
+              <a:rPr lang="zh-CN" altLang="en-US" sz="1200" dirty="0">
+                <a:latin typeface="Consolas" panose="020B0609020204030204" pitchFamily="49" charset="0"/>
+              </a:rPr>
+              <a:t>（在下一代中，会将子代和父代进行合并）</a:t>
+            </a:r>
+            <a:endParaRPr lang="en-US" altLang="zh-CN" sz="1200" b="0" dirty="0">
+              <a:effectLst/>
+              <a:latin typeface="Consolas" panose="020B0609020204030204" pitchFamily="49" charset="0"/>
+            </a:endParaRPr>
+          </a:p>
+        </p:txBody>
+      </p:sp>
+      <p:sp>
+        <p:nvSpPr>
+          <p:cNvPr id="22" name="矩形: 圆角 21">
+            <a:extLst>
+              <a:ext uri="{FF2B5EF4-FFF2-40B4-BE49-F238E27FC236}">
+                <a16:creationId xmlns:a16="http://schemas.microsoft.com/office/drawing/2014/main" id="{729CA720-3DF3-4126-9A3E-717B18092E29}"/>
+              </a:ext>
+            </a:extLst>
+          </p:cNvPr>
+          <p:cNvSpPr/>
+          <p:nvPr/>
+        </p:nvSpPr>
+        <p:spPr>
+          <a:xfrm>
+            <a:off x="12335375" y="5637572"/>
+            <a:ext cx="640080" cy="207264"/>
+          </a:xfrm>
+          <a:prstGeom prst="roundRect">
+            <a:avLst>
+              <a:gd name="adj" fmla="val 40197"/>
+            </a:avLst>
+          </a:prstGeom>
+          <a:ln>
+            <a:noFill/>
+          </a:ln>
+        </p:spPr>
+        <p:style>
+          <a:lnRef idx="2">
+            <a:schemeClr val="accent1">
+              <a:shade val="50000"/>
+            </a:schemeClr>
+          </a:lnRef>
+          <a:fillRef idx="1">
+            <a:schemeClr val="accent1"/>
+          </a:fillRef>
+          <a:effectRef idx="0">
+            <a:schemeClr val="accent1"/>
+          </a:effectRef>
+          <a:fontRef idx="minor">
+            <a:schemeClr val="lt1"/>
+          </a:fontRef>
+        </p:style>
+        <p:txBody>
+          <a:bodyPr rtlCol="0" anchor="ctr"/>
+          <a:lstStyle/>
+          <a:p>
+            <a:pPr algn="ctr"/>
+            <a:r>
+              <a:rPr lang="zh-CN" altLang="en-US" sz="1200" dirty="0">
+                <a:latin typeface="宋体" panose="02010600030101010101" pitchFamily="2" charset="-122"/>
+                <a:ea typeface="宋体" panose="02010600030101010101" pitchFamily="2" charset="-122"/>
+              </a:rPr>
+              <a:t>输出</a:t>
+            </a:r>
+          </a:p>
+        </p:txBody>
+      </p:sp>
+      <p:sp>
+        <p:nvSpPr>
+          <p:cNvPr id="23" name="矩形 22">
+            <a:extLst>
+              <a:ext uri="{FF2B5EF4-FFF2-40B4-BE49-F238E27FC236}">
+                <a16:creationId xmlns:a16="http://schemas.microsoft.com/office/drawing/2014/main" id="{DFD74F2E-306A-4819-BCBD-3E723BCAF37A}"/>
+              </a:ext>
+            </a:extLst>
+          </p:cNvPr>
+          <p:cNvSpPr/>
+          <p:nvPr/>
+        </p:nvSpPr>
+        <p:spPr>
+          <a:xfrm>
+            <a:off x="12335374" y="5904441"/>
+            <a:ext cx="4447517" cy="893643"/>
+          </a:xfrm>
+          <a:prstGeom prst="rect">
+            <a:avLst/>
+          </a:prstGeom>
+        </p:spPr>
+        <p:txBody>
+          <a:bodyPr wrap="square">
+            <a:spAutoFit/>
+          </a:bodyPr>
+          <a:lstStyle/>
+          <a:p>
+            <a:pPr>
+              <a:lnSpc>
+                <a:spcPct val="150000"/>
+              </a:lnSpc>
+            </a:pPr>
+            <a:r>
+              <a:rPr lang="zh-CN" altLang="en-US" sz="1200" b="0" dirty="0">
+                <a:effectLst/>
+                <a:latin typeface="Consolas" panose="020B0609020204030204" pitchFamily="49" charset="0"/>
+              </a:rPr>
+              <a:t>将整个种群进行分层，对于已经被赋值为等级的个体，将其从整个种群中移除，然后对种群中剩余的个体进行非支配排序；</a:t>
+            </a:r>
+            <a:endParaRPr lang="en-US" altLang="zh-CN" sz="1200" b="0" dirty="0">
+              <a:effectLst/>
+              <a:latin typeface="Consolas" panose="020B0609020204030204" pitchFamily="49" charset="0"/>
+            </a:endParaRPr>
+          </a:p>
+          <a:p>
+            <a:pPr>
+              <a:lnSpc>
+                <a:spcPct val="150000"/>
+              </a:lnSpc>
+            </a:pPr>
+            <a:r>
+              <a:rPr lang="zh-CN" altLang="en-US" sz="1200" dirty="0">
+                <a:latin typeface="Consolas" panose="020B0609020204030204" pitchFamily="49" charset="0"/>
+              </a:rPr>
+              <a:t>对于同一等级的个体，会按照个体拥挤度大小进行排序</a:t>
             </a:r>
             <a:endParaRPr lang="en-US" altLang="zh-CN" sz="1200" b="0" dirty="0">
               <a:effectLst/>
